--- a/out/Основыинформационнойбезопасности.pptx
+++ b/out/Основыинформационнойбезопасности.pptx
@@ -3101,7 +3101,7 @@
                 </a:solidFill>
                 <a:latin typeface="Calibri"/>
               </a:rPr>
-              <a:t>Определение и область применения</a:t>
+              <a:t>Введение: что такое «Информационная безопасность»</a:t>
             </a:r>
           </a:p>
         </p:txBody>
@@ -3227,7 +3227,7 @@
         <p:spPr>
           <a:xfrm>
             <a:off x="8910320" y="1219200"/>
-            <a:ext cx="6883400" cy="5156200"/>
+            <a:ext cx="6883400" cy="2857500"/>
           </a:xfrm>
           <a:prstGeom prst="rect">
             <a:avLst/>
@@ -3448,7 +3448,7 @@
         <p:spPr>
           <a:xfrm>
             <a:off x="8910320" y="1219200"/>
-            <a:ext cx="6883400" cy="3873500"/>
+            <a:ext cx="6883400" cy="4127500"/>
           </a:xfrm>
           <a:prstGeom prst="rect">
             <a:avLst/>
@@ -3669,7 +3669,7 @@
         <p:spPr>
           <a:xfrm>
             <a:off x="8910320" y="1219200"/>
-            <a:ext cx="6883400" cy="5156200"/>
+            <a:ext cx="6883400" cy="4876800"/>
           </a:xfrm>
           <a:prstGeom prst="rect">
             <a:avLst/>
@@ -3890,7 +3890,7 @@
         <p:spPr>
           <a:xfrm>
             <a:off x="8910320" y="1219200"/>
-            <a:ext cx="5600700" cy="7467600"/>
+            <a:ext cx="6883400" cy="3848100"/>
           </a:xfrm>
           <a:prstGeom prst="rect">
             <a:avLst/>
@@ -4111,7 +4111,7 @@
         <p:spPr>
           <a:xfrm>
             <a:off x="8910320" y="1219200"/>
-            <a:ext cx="6883400" cy="4127500"/>
+            <a:ext cx="6883400" cy="3327400"/>
           </a:xfrm>
           <a:prstGeom prst="rect">
             <a:avLst/>
@@ -4332,7 +4332,7 @@
         <p:spPr>
           <a:xfrm>
             <a:off x="8910320" y="1219200"/>
-            <a:ext cx="6883400" cy="5156200"/>
+            <a:ext cx="6883400" cy="2857500"/>
           </a:xfrm>
           <a:prstGeom prst="rect">
             <a:avLst/>
@@ -4553,7 +4553,7 @@
         <p:spPr>
           <a:xfrm>
             <a:off x="8910320" y="1219200"/>
-            <a:ext cx="6883400" cy="4584700"/>
+            <a:ext cx="5600700" cy="7467600"/>
           </a:xfrm>
           <a:prstGeom prst="rect">
             <a:avLst/>
@@ -4774,7 +4774,7 @@
         <p:spPr>
           <a:xfrm>
             <a:off x="8910320" y="1219200"/>
-            <a:ext cx="6883400" cy="3848100"/>
+            <a:ext cx="6883400" cy="4584700"/>
           </a:xfrm>
           <a:prstGeom prst="rect">
             <a:avLst/>
@@ -4995,7 +4995,7 @@
         <p:spPr>
           <a:xfrm>
             <a:off x="8910320" y="1219200"/>
-            <a:ext cx="6883400" cy="3225800"/>
+            <a:ext cx="6883400" cy="3873500"/>
           </a:xfrm>
           <a:prstGeom prst="rect">
             <a:avLst/>
@@ -5216,7 +5216,7 @@
         <p:spPr>
           <a:xfrm>
             <a:off x="8910320" y="1219200"/>
-            <a:ext cx="6883400" cy="4876800"/>
+            <a:ext cx="6883400" cy="5156200"/>
           </a:xfrm>
           <a:prstGeom prst="rect">
             <a:avLst/>
@@ -5437,7 +5437,7 @@
         <p:spPr>
           <a:xfrm>
             <a:off x="8910320" y="1219200"/>
-            <a:ext cx="6883400" cy="2857500"/>
+            <a:ext cx="6883400" cy="3949700"/>
           </a:xfrm>
           <a:prstGeom prst="rect">
             <a:avLst/>
@@ -5658,7 +5658,7 @@
         <p:spPr>
           <a:xfrm>
             <a:off x="8910320" y="1219200"/>
-            <a:ext cx="6883400" cy="4584700"/>
+            <a:ext cx="5600700" cy="7467600"/>
           </a:xfrm>
           <a:prstGeom prst="rect">
             <a:avLst/>
@@ -5879,7 +5879,7 @@
         <p:spPr>
           <a:xfrm>
             <a:off x="8910320" y="1219200"/>
-            <a:ext cx="6883400" cy="3327400"/>
+            <a:ext cx="6883400" cy="5156200"/>
           </a:xfrm>
           <a:prstGeom prst="rect">
             <a:avLst/>
@@ -6387,7 +6387,7 @@
         <p:spPr>
           <a:xfrm>
             <a:off x="8910320" y="1219200"/>
-            <a:ext cx="6883400" cy="3848100"/>
+            <a:ext cx="6883400" cy="4584700"/>
           </a:xfrm>
           <a:prstGeom prst="rect">
             <a:avLst/>
@@ -6608,7 +6608,7 @@
         <p:spPr>
           <a:xfrm>
             <a:off x="8910320" y="1219200"/>
-            <a:ext cx="6883400" cy="3225800"/>
+            <a:ext cx="6883400" cy="3873500"/>
           </a:xfrm>
           <a:prstGeom prst="rect">
             <a:avLst/>
@@ -6829,7 +6829,7 @@
         <p:spPr>
           <a:xfrm>
             <a:off x="8910320" y="1219200"/>
-            <a:ext cx="6883400" cy="4876800"/>
+            <a:ext cx="6883400" cy="5156200"/>
           </a:xfrm>
           <a:prstGeom prst="rect">
             <a:avLst/>
@@ -7050,7 +7050,7 @@
         <p:spPr>
           <a:xfrm>
             <a:off x="8910320" y="1219200"/>
-            <a:ext cx="6883400" cy="2857500"/>
+            <a:ext cx="6883400" cy="3949700"/>
           </a:xfrm>
           <a:prstGeom prst="rect">
             <a:avLst/>
@@ -7271,7 +7271,7 @@
         <p:spPr>
           <a:xfrm>
             <a:off x="8910320" y="1219200"/>
-            <a:ext cx="6883400" cy="3327400"/>
+            <a:ext cx="6883400" cy="5156200"/>
           </a:xfrm>
           <a:prstGeom prst="rect">
             <a:avLst/>
@@ -7492,7 +7492,7 @@
         <p:spPr>
           <a:xfrm>
             <a:off x="8910320" y="1219200"/>
-            <a:ext cx="6883400" cy="3949700"/>
+            <a:ext cx="6883400" cy="3225800"/>
           </a:xfrm>
           <a:prstGeom prst="rect">
             <a:avLst/>
